--- a/Resources/ConsumingRustBite3.pptx
+++ b/Resources/ConsumingRustBite3.pptx
@@ -4390,7 +4390,7 @@
             <p:ph idx="1"/>
             <p:extLst>
               <p:ext uri="{D42A27DB-BD31-4B8C-83A1-F6EECF244321}">
-                <p14:modId xmlns:p14="http://schemas.microsoft.com/office/powerpoint/2010/main" val="3911856491"/>
+                <p14:modId xmlns:p14="http://schemas.microsoft.com/office/powerpoint/2010/main" val="3240450669"/>
               </p:ext>
             </p:extLst>
           </p:nvPr>
@@ -4536,7 +4536,7 @@
                         <a:rPr lang="en-US" dirty="0">
                           <a:hlinkClick r:id="rId4"/>
                         </a:rPr>
-                        <a:t>Rust Models</a:t>
+                        <a:t>Rust Story - Ownership</a:t>
                       </a:r>
                       <a:endParaRPr lang="en-US" dirty="0"/>
                     </a:p>
@@ -4550,11 +4550,11 @@
                     <a:p>
                       <a:r>
                         <a:rPr lang="en-US" dirty="0"/>
-                        <a:t>Expanded discussion in Rust </a:t>
+                        <a:t>Expanded discussion in </a:t>
                       </a:r>
                       <a:r>
                         <a:rPr lang="en-US"/>
-                        <a:t>Models presentation</a:t>
+                        <a:t>Rust Story</a:t>
                       </a:r>
                       <a:endParaRPr lang="en-US" dirty="0"/>
                     </a:p>
